--- a/Powerpoint/Challenge_48h.pptx
+++ b/Powerpoint/Challenge_48h.pptx
@@ -5,7 +5,7 @@
     <p:sldMasterId id="2147483648" r:id="rId1"/>
   </p:sldMasterIdLst>
   <p:notesMasterIdLst>
-    <p:notesMasterId r:id="rId13"/>
+    <p:notesMasterId r:id="rId14"/>
   </p:notesMasterIdLst>
   <p:sldIdLst>
     <p:sldId id="256" r:id="rId2"/>
@@ -19,6 +19,7 @@
     <p:sldId id="264" r:id="rId10"/>
     <p:sldId id="259" r:id="rId11"/>
     <p:sldId id="260" r:id="rId12"/>
+    <p:sldId id="268" r:id="rId13"/>
   </p:sldIdLst>
   <p:sldSz cx="12192000" cy="6858000"/>
   <p:notesSz cx="6858000" cy="9144000"/>
@@ -6221,6 +6222,257 @@
     <p:extLst>
       <p:ext uri="{BB962C8B-B14F-4D97-AF65-F5344CB8AC3E}">
         <p14:creationId xmlns:p14="http://schemas.microsoft.com/office/powerpoint/2010/main" val="2264602628"/>
+      </p:ext>
+    </p:extLst>
+  </p:cSld>
+  <p:clrMapOvr>
+    <a:masterClrMapping/>
+  </p:clrMapOvr>
+</p:sld>
+</file>
+
+<file path=ppt/slides/slide12.xml><?xml version="1.0" encoding="utf-8"?>
+<p:sld xmlns:a="http://schemas.openxmlformats.org/drawingml/2006/main" xmlns:r="http://schemas.openxmlformats.org/officeDocument/2006/relationships" xmlns:p="http://schemas.openxmlformats.org/presentationml/2006/main">
+  <p:cSld>
+    <p:bg>
+      <p:bgPr>
+        <a:solidFill>
+          <a:schemeClr val="bg1"/>
+        </a:solidFill>
+        <a:effectLst/>
+      </p:bgPr>
+    </p:bg>
+    <p:spTree>
+      <p:nvGrpSpPr>
+        <p:cNvPr id="1" name=""/>
+        <p:cNvGrpSpPr/>
+        <p:nvPr/>
+      </p:nvGrpSpPr>
+      <p:grpSpPr>
+        <a:xfrm>
+          <a:off x="0" y="0"/>
+          <a:ext cx="0" cy="0"/>
+          <a:chOff x="0" y="0"/>
+          <a:chExt cx="0" cy="0"/>
+        </a:xfrm>
+      </p:grpSpPr>
+      <p:sp>
+        <p:nvSpPr>
+          <p:cNvPr id="2" name="Titre 1">
+            <a:extLst>
+              <a:ext uri="{FF2B5EF4-FFF2-40B4-BE49-F238E27FC236}">
+                <a16:creationId xmlns:a16="http://schemas.microsoft.com/office/drawing/2014/main" id="{3116001F-9FD8-401A-BF44-19300732B1C1}"/>
+              </a:ext>
+            </a:extLst>
+          </p:cNvPr>
+          <p:cNvSpPr>
+            <a:spLocks noGrp="1"/>
+          </p:cNvSpPr>
+          <p:nvPr>
+            <p:ph type="title"/>
+          </p:nvPr>
+        </p:nvSpPr>
+        <p:spPr>
+          <a:xfrm>
+            <a:off x="4965430" y="629268"/>
+            <a:ext cx="6586491" cy="1286160"/>
+          </a:xfrm>
+        </p:spPr>
+        <p:txBody>
+          <a:bodyPr anchor="b">
+            <a:normAutofit/>
+          </a:bodyPr>
+          <a:lstStyle/>
+          <a:p>
+            <a:r>
+              <a:rPr lang="fr-FR" dirty="0"/>
+              <a:t>Améliorations</a:t>
+            </a:r>
+          </a:p>
+        </p:txBody>
+      </p:sp>
+      <p:sp>
+        <p:nvSpPr>
+          <p:cNvPr id="3" name="Espace réservé du contenu 2">
+            <a:extLst>
+              <a:ext uri="{FF2B5EF4-FFF2-40B4-BE49-F238E27FC236}">
+                <a16:creationId xmlns:a16="http://schemas.microsoft.com/office/drawing/2014/main" id="{67DC18B9-FE83-49EF-AEFC-00C9BD8E2C15}"/>
+              </a:ext>
+            </a:extLst>
+          </p:cNvPr>
+          <p:cNvSpPr>
+            <a:spLocks noGrp="1"/>
+          </p:cNvSpPr>
+          <p:nvPr>
+            <p:ph idx="1"/>
+          </p:nvPr>
+        </p:nvSpPr>
+        <p:spPr>
+          <a:xfrm>
+            <a:off x="4965431" y="2438400"/>
+            <a:ext cx="6586489" cy="3785419"/>
+          </a:xfrm>
+        </p:spPr>
+        <p:txBody>
+          <a:bodyPr>
+            <a:normAutofit/>
+          </a:bodyPr>
+          <a:lstStyle/>
+          <a:p>
+            <a:r>
+              <a:rPr lang="fr-FR" sz="2000" dirty="0"/>
+              <a:t>Système de recherche multicritère</a:t>
+            </a:r>
+          </a:p>
+          <a:p>
+            <a:r>
+              <a:rPr lang="fr-FR" sz="2000" dirty="0"/>
+              <a:t>Optimisation code</a:t>
+            </a:r>
+          </a:p>
+          <a:p>
+            <a:r>
+              <a:rPr lang="fr-FR" sz="2000" dirty="0"/>
+              <a:t>Front / Design</a:t>
+            </a:r>
+          </a:p>
+          <a:p>
+            <a:endParaRPr lang="fr-FR" sz="2000" dirty="0"/>
+          </a:p>
+        </p:txBody>
+      </p:sp>
+      <p:pic>
+        <p:nvPicPr>
+          <p:cNvPr id="12" name="Picture 5" descr="Données et graphiques flous sur les marchés boursiers financiers">
+            <a:extLst>
+              <a:ext uri="{FF2B5EF4-FFF2-40B4-BE49-F238E27FC236}">
+                <a16:creationId xmlns:a16="http://schemas.microsoft.com/office/drawing/2014/main" id="{F676BC7B-DE60-42FB-BA2E-3C1BED44B414}"/>
+              </a:ext>
+            </a:extLst>
+          </p:cNvPr>
+          <p:cNvPicPr>
+            <a:picLocks noChangeAspect="1"/>
+          </p:cNvPicPr>
+          <p:nvPr/>
+        </p:nvPicPr>
+        <p:blipFill rotWithShape="1">
+          <a:blip r:embed="rId2"/>
+          <a:srcRect l="36382" r="17823" b="-1"/>
+          <a:stretch/>
+        </p:blipFill>
+        <p:spPr>
+          <a:xfrm>
+            <a:off x="20" y="10"/>
+            <a:ext cx="4635571" cy="6857990"/>
+          </a:xfrm>
+          <a:prstGeom prst="rect">
+            <a:avLst/>
+          </a:prstGeom>
+          <a:effectLst/>
+        </p:spPr>
+      </p:pic>
+      <p:cxnSp>
+        <p:nvCxnSpPr>
+          <p:cNvPr id="13" name="Straight Connector 9">
+            <a:extLst>
+              <a:ext uri="{FF2B5EF4-FFF2-40B4-BE49-F238E27FC236}">
+                <a16:creationId xmlns:a16="http://schemas.microsoft.com/office/drawing/2014/main" id="{A7F400EE-A8A5-48AF-B4D6-291B52C6F0B0}"/>
+              </a:ext>
+              <a:ext uri="{C183D7F6-B498-43B3-948B-1728B52AA6E4}">
+                <adec:decorative xmlns:adec="http://schemas.microsoft.com/office/drawing/2017/decorative" val="1"/>
+              </a:ext>
+            </a:extLst>
+          </p:cNvPr>
+          <p:cNvCxnSpPr>
+            <a:cxnSpLocks noGrp="1" noRot="1" noChangeAspect="1" noMove="1" noResize="1" noEditPoints="1" noAdjustHandles="1" noChangeArrowheads="1" noChangeShapeType="1"/>
+          </p:cNvCxnSpPr>
+          <p:nvPr>
+            <p:extLst>
+              <p:ext uri="{386F3935-93C4-4BCD-93E2-E3B085C9AB24}">
+                <p16:designElem xmlns:p16="http://schemas.microsoft.com/office/powerpoint/2015/main" val="1"/>
+              </p:ext>
+            </p:extLst>
+          </p:nvPr>
+        </p:nvCxnSpPr>
+        <p:spPr>
+          <a:xfrm>
+            <a:off x="5080934" y="2115117"/>
+            <a:ext cx="6309360" cy="0"/>
+          </a:xfrm>
+          <a:prstGeom prst="line">
+            <a:avLst/>
+          </a:prstGeom>
+          <a:ln w="19050">
+            <a:solidFill>
+              <a:srgbClr val="FF6853"/>
+            </a:solidFill>
+          </a:ln>
+        </p:spPr>
+        <p:style>
+          <a:lnRef idx="1">
+            <a:schemeClr val="accent1"/>
+          </a:lnRef>
+          <a:fillRef idx="0">
+            <a:schemeClr val="accent1"/>
+          </a:fillRef>
+          <a:effectRef idx="0">
+            <a:schemeClr val="accent1"/>
+          </a:effectRef>
+          <a:fontRef idx="minor">
+            <a:schemeClr val="tx1"/>
+          </a:fontRef>
+        </p:style>
+      </p:cxnSp>
+      <p:sp>
+        <p:nvSpPr>
+          <p:cNvPr id="4" name="Espace réservé du numéro de diapositive 3">
+            <a:extLst>
+              <a:ext uri="{FF2B5EF4-FFF2-40B4-BE49-F238E27FC236}">
+                <a16:creationId xmlns:a16="http://schemas.microsoft.com/office/drawing/2014/main" id="{FE7A3854-91CD-4BB6-9283-FAA1E843FE93}"/>
+              </a:ext>
+            </a:extLst>
+          </p:cNvPr>
+          <p:cNvSpPr>
+            <a:spLocks noGrp="1"/>
+          </p:cNvSpPr>
+          <p:nvPr>
+            <p:ph type="sldNum" sz="quarter" idx="12"/>
+          </p:nvPr>
+        </p:nvSpPr>
+        <p:spPr>
+          <a:xfrm>
+            <a:off x="10167042" y="6356350"/>
+            <a:ext cx="1186758" cy="365125"/>
+          </a:xfrm>
+        </p:spPr>
+        <p:txBody>
+          <a:bodyPr>
+            <a:normAutofit/>
+          </a:bodyPr>
+          <a:lstStyle/>
+          <a:p>
+            <a:pPr>
+              <a:spcAft>
+                <a:spcPts val="600"/>
+              </a:spcAft>
+            </a:pPr>
+            <a:fld id="{5C581F1C-5AB3-4D13-92EE-B28FB7D84BCD}" type="slidenum">
+              <a:rPr lang="fr-FR" smtClean="0"/>
+              <a:pPr>
+                <a:spcAft>
+                  <a:spcPts val="600"/>
+                </a:spcAft>
+              </a:pPr>
+              <a:t>12</a:t>
+            </a:fld>
+            <a:endParaRPr lang="fr-FR"/>
+          </a:p>
+        </p:txBody>
+      </p:sp>
+    </p:spTree>
+    <p:extLst>
+      <p:ext uri="{BB962C8B-B14F-4D97-AF65-F5344CB8AC3E}">
+        <p14:creationId xmlns:p14="http://schemas.microsoft.com/office/powerpoint/2010/main" val="3019715761"/>
       </p:ext>
     </p:extLst>
   </p:cSld>
